--- a/Prediction of Car Price.pptx
+++ b/Prediction of Car Price.pptx
@@ -12,6 +12,11 @@
     <p:sldId id="260" r:id="rId6"/>
     <p:sldId id="261" r:id="rId7"/>
     <p:sldId id="262" r:id="rId8"/>
+    <p:sldId id="265" r:id="rId9"/>
+    <p:sldId id="263" r:id="rId10"/>
+    <p:sldId id="266" r:id="rId11"/>
+    <p:sldId id="267" r:id="rId12"/>
+    <p:sldId id="264" r:id="rId13"/>
   </p:sldIdLst>
   <p:sldSz cx="12192000" cy="6858000"/>
   <p:notesSz cx="6858000" cy="9144000"/>
@@ -267,7 +272,7 @@
           <a:p>
             <a:fld id="{00506774-2FDD-4ABD-A961-393809047840}" type="datetimeFigureOut">
               <a:rPr lang="en-IN" smtClean="0"/>
-              <a:t>19-08-2022</a:t>
+              <a:t>21-08-2022</a:t>
             </a:fld>
             <a:endParaRPr lang="en-IN"/>
           </a:p>
@@ -467,7 +472,7 @@
           <a:p>
             <a:fld id="{00506774-2FDD-4ABD-A961-393809047840}" type="datetimeFigureOut">
               <a:rPr lang="en-IN" smtClean="0"/>
-              <a:t>19-08-2022</a:t>
+              <a:t>21-08-2022</a:t>
             </a:fld>
             <a:endParaRPr lang="en-IN"/>
           </a:p>
@@ -677,7 +682,7 @@
           <a:p>
             <a:fld id="{00506774-2FDD-4ABD-A961-393809047840}" type="datetimeFigureOut">
               <a:rPr lang="en-IN" smtClean="0"/>
-              <a:t>19-08-2022</a:t>
+              <a:t>21-08-2022</a:t>
             </a:fld>
             <a:endParaRPr lang="en-IN"/>
           </a:p>
@@ -877,7 +882,7 @@
           <a:p>
             <a:fld id="{00506774-2FDD-4ABD-A961-393809047840}" type="datetimeFigureOut">
               <a:rPr lang="en-IN" smtClean="0"/>
-              <a:t>19-08-2022</a:t>
+              <a:t>21-08-2022</a:t>
             </a:fld>
             <a:endParaRPr lang="en-IN"/>
           </a:p>
@@ -1153,7 +1158,7 @@
           <a:p>
             <a:fld id="{00506774-2FDD-4ABD-A961-393809047840}" type="datetimeFigureOut">
               <a:rPr lang="en-IN" smtClean="0"/>
-              <a:t>19-08-2022</a:t>
+              <a:t>21-08-2022</a:t>
             </a:fld>
             <a:endParaRPr lang="en-IN"/>
           </a:p>
@@ -1421,7 +1426,7 @@
           <a:p>
             <a:fld id="{00506774-2FDD-4ABD-A961-393809047840}" type="datetimeFigureOut">
               <a:rPr lang="en-IN" smtClean="0"/>
-              <a:t>19-08-2022</a:t>
+              <a:t>21-08-2022</a:t>
             </a:fld>
             <a:endParaRPr lang="en-IN"/>
           </a:p>
@@ -1836,7 +1841,7 @@
           <a:p>
             <a:fld id="{00506774-2FDD-4ABD-A961-393809047840}" type="datetimeFigureOut">
               <a:rPr lang="en-IN" smtClean="0"/>
-              <a:t>19-08-2022</a:t>
+              <a:t>21-08-2022</a:t>
             </a:fld>
             <a:endParaRPr lang="en-IN"/>
           </a:p>
@@ -1978,7 +1983,7 @@
           <a:p>
             <a:fld id="{00506774-2FDD-4ABD-A961-393809047840}" type="datetimeFigureOut">
               <a:rPr lang="en-IN" smtClean="0"/>
-              <a:t>19-08-2022</a:t>
+              <a:t>21-08-2022</a:t>
             </a:fld>
             <a:endParaRPr lang="en-IN"/>
           </a:p>
@@ -2091,7 +2096,7 @@
           <a:p>
             <a:fld id="{00506774-2FDD-4ABD-A961-393809047840}" type="datetimeFigureOut">
               <a:rPr lang="en-IN" smtClean="0"/>
-              <a:t>19-08-2022</a:t>
+              <a:t>21-08-2022</a:t>
             </a:fld>
             <a:endParaRPr lang="en-IN"/>
           </a:p>
@@ -2404,7 +2409,7 @@
           <a:p>
             <a:fld id="{00506774-2FDD-4ABD-A961-393809047840}" type="datetimeFigureOut">
               <a:rPr lang="en-IN" smtClean="0"/>
-              <a:t>19-08-2022</a:t>
+              <a:t>21-08-2022</a:t>
             </a:fld>
             <a:endParaRPr lang="en-IN"/>
           </a:p>
@@ -2693,7 +2698,7 @@
           <a:p>
             <a:fld id="{00506774-2FDD-4ABD-A961-393809047840}" type="datetimeFigureOut">
               <a:rPr lang="en-IN" smtClean="0"/>
-              <a:t>19-08-2022</a:t>
+              <a:t>21-08-2022</a:t>
             </a:fld>
             <a:endParaRPr lang="en-IN"/>
           </a:p>
@@ -2936,7 +2941,7 @@
           <a:p>
             <a:fld id="{00506774-2FDD-4ABD-A961-393809047840}" type="datetimeFigureOut">
               <a:rPr lang="en-IN" smtClean="0"/>
-              <a:t>19-08-2022</a:t>
+              <a:t>21-08-2022</a:t>
             </a:fld>
             <a:endParaRPr lang="en-IN"/>
           </a:p>
@@ -3607,6 +3612,248 @@
 </p:sld>
 </file>
 
+<file path=ppt/slides/slide10.xml><?xml version="1.0" encoding="utf-8"?>
+<p:sld xmlns:a="http://schemas.openxmlformats.org/drawingml/2006/main" xmlns:r="http://schemas.openxmlformats.org/officeDocument/2006/relationships" xmlns:p="http://schemas.openxmlformats.org/presentationml/2006/main">
+  <p:cSld>
+    <p:spTree>
+      <p:nvGrpSpPr>
+        <p:cNvPr id="1" name=""/>
+        <p:cNvGrpSpPr/>
+        <p:nvPr/>
+      </p:nvGrpSpPr>
+      <p:grpSpPr>
+        <a:xfrm>
+          <a:off x="0" y="0"/>
+          <a:ext cx="0" cy="0"/>
+          <a:chOff x="0" y="0"/>
+          <a:chExt cx="0" cy="0"/>
+        </a:xfrm>
+      </p:grpSpPr>
+      <p:sp>
+        <p:nvSpPr>
+          <p:cNvPr id="2" name="Title 1">
+            <a:extLst>
+              <a:ext uri="{FF2B5EF4-FFF2-40B4-BE49-F238E27FC236}">
+                <a16:creationId xmlns:a16="http://schemas.microsoft.com/office/drawing/2014/main" id="{1F1031B7-738A-02F7-8F76-730B95F83CC2}"/>
+              </a:ext>
+            </a:extLst>
+          </p:cNvPr>
+          <p:cNvSpPr>
+            <a:spLocks noGrp="1"/>
+          </p:cNvSpPr>
+          <p:nvPr>
+            <p:ph type="title"/>
+          </p:nvPr>
+        </p:nvSpPr>
+        <p:spPr/>
+        <p:txBody>
+          <a:bodyPr/>
+          <a:lstStyle/>
+          <a:p>
+            <a:r>
+              <a:rPr lang="en-IN" b="1" dirty="0"/>
+              <a:t>To convert output into csv file</a:t>
+            </a:r>
+          </a:p>
+        </p:txBody>
+      </p:sp>
+      <p:sp>
+        <p:nvSpPr>
+          <p:cNvPr id="3" name="Content Placeholder 2">
+            <a:extLst>
+              <a:ext uri="{FF2B5EF4-FFF2-40B4-BE49-F238E27FC236}">
+                <a16:creationId xmlns:a16="http://schemas.microsoft.com/office/drawing/2014/main" id="{EBD0A6C2-75E2-FFA0-A84C-994291D16797}"/>
+              </a:ext>
+            </a:extLst>
+          </p:cNvPr>
+          <p:cNvSpPr>
+            <a:spLocks noGrp="1"/>
+          </p:cNvSpPr>
+          <p:nvPr>
+            <p:ph idx="1"/>
+          </p:nvPr>
+        </p:nvSpPr>
+        <p:spPr/>
+        <p:txBody>
+          <a:bodyPr/>
+          <a:lstStyle/>
+          <a:p>
+            <a:r>
+              <a:rPr lang="en-IN" dirty="0"/>
+              <a:t>After predicting data I created csv file of test and predicted Data.</a:t>
+            </a:r>
+          </a:p>
+        </p:txBody>
+      </p:sp>
+    </p:spTree>
+    <p:extLst>
+      <p:ext uri="{BB962C8B-B14F-4D97-AF65-F5344CB8AC3E}">
+        <p14:creationId xmlns:p14="http://schemas.microsoft.com/office/powerpoint/2010/main" val="1341766959"/>
+      </p:ext>
+    </p:extLst>
+  </p:cSld>
+  <p:clrMapOvr>
+    <a:masterClrMapping/>
+  </p:clrMapOvr>
+</p:sld>
+</file>
+
+<file path=ppt/slides/slide11.xml><?xml version="1.0" encoding="utf-8"?>
+<p:sld xmlns:a="http://schemas.openxmlformats.org/drawingml/2006/main" xmlns:r="http://schemas.openxmlformats.org/officeDocument/2006/relationships" xmlns:p="http://schemas.openxmlformats.org/presentationml/2006/main">
+  <p:cSld>
+    <p:spTree>
+      <p:nvGrpSpPr>
+        <p:cNvPr id="1" name=""/>
+        <p:cNvGrpSpPr/>
+        <p:nvPr/>
+      </p:nvGrpSpPr>
+      <p:grpSpPr>
+        <a:xfrm>
+          <a:off x="0" y="0"/>
+          <a:ext cx="0" cy="0"/>
+          <a:chOff x="0" y="0"/>
+          <a:chExt cx="0" cy="0"/>
+        </a:xfrm>
+      </p:grpSpPr>
+      <p:sp>
+        <p:nvSpPr>
+          <p:cNvPr id="2" name="Title 1">
+            <a:extLst>
+              <a:ext uri="{FF2B5EF4-FFF2-40B4-BE49-F238E27FC236}">
+                <a16:creationId xmlns:a16="http://schemas.microsoft.com/office/drawing/2014/main" id="{DDF6E68E-4B28-4987-0617-DB4A79BFF873}"/>
+              </a:ext>
+            </a:extLst>
+          </p:cNvPr>
+          <p:cNvSpPr>
+            <a:spLocks noGrp="1"/>
+          </p:cNvSpPr>
+          <p:nvPr>
+            <p:ph type="title"/>
+          </p:nvPr>
+        </p:nvSpPr>
+        <p:spPr/>
+        <p:txBody>
+          <a:bodyPr/>
+          <a:lstStyle/>
+          <a:p>
+            <a:r>
+              <a:rPr lang="en-IN" b="1" dirty="0"/>
+              <a:t>Conclusion</a:t>
+            </a:r>
+          </a:p>
+        </p:txBody>
+      </p:sp>
+      <p:sp>
+        <p:nvSpPr>
+          <p:cNvPr id="3" name="Content Placeholder 2">
+            <a:extLst>
+              <a:ext uri="{FF2B5EF4-FFF2-40B4-BE49-F238E27FC236}">
+                <a16:creationId xmlns:a16="http://schemas.microsoft.com/office/drawing/2014/main" id="{CC8B4458-ED10-30DB-5F00-853D95B009CC}"/>
+              </a:ext>
+            </a:extLst>
+          </p:cNvPr>
+          <p:cNvSpPr>
+            <a:spLocks noGrp="1"/>
+          </p:cNvSpPr>
+          <p:nvPr>
+            <p:ph idx="1"/>
+          </p:nvPr>
+        </p:nvSpPr>
+        <p:spPr/>
+        <p:txBody>
+          <a:bodyPr/>
+          <a:lstStyle/>
+          <a:p>
+            <a:r>
+              <a:rPr lang="en-IN" dirty="0"/>
+              <a:t>By using this predictions people can choose best car model for them.</a:t>
+            </a:r>
+          </a:p>
+          <a:p>
+            <a:r>
+              <a:rPr lang="en-IN" dirty="0"/>
+              <a:t>everyone will get idea about relationship between different parameters and car price.</a:t>
+            </a:r>
+          </a:p>
+        </p:txBody>
+      </p:sp>
+    </p:spTree>
+    <p:extLst>
+      <p:ext uri="{BB962C8B-B14F-4D97-AF65-F5344CB8AC3E}">
+        <p14:creationId xmlns:p14="http://schemas.microsoft.com/office/powerpoint/2010/main" val="1488892031"/>
+      </p:ext>
+    </p:extLst>
+  </p:cSld>
+  <p:clrMapOvr>
+    <a:masterClrMapping/>
+  </p:clrMapOvr>
+</p:sld>
+</file>
+
+<file path=ppt/slides/slide12.xml><?xml version="1.0" encoding="utf-8"?>
+<p:sld xmlns:a="http://schemas.openxmlformats.org/drawingml/2006/main" xmlns:r="http://schemas.openxmlformats.org/officeDocument/2006/relationships" xmlns:p="http://schemas.openxmlformats.org/presentationml/2006/main">
+  <p:cSld>
+    <p:spTree>
+      <p:nvGrpSpPr>
+        <p:cNvPr id="1" name=""/>
+        <p:cNvGrpSpPr/>
+        <p:nvPr/>
+      </p:nvGrpSpPr>
+      <p:grpSpPr>
+        <a:xfrm>
+          <a:off x="0" y="0"/>
+          <a:ext cx="0" cy="0"/>
+          <a:chOff x="0" y="0"/>
+          <a:chExt cx="0" cy="0"/>
+        </a:xfrm>
+      </p:grpSpPr>
+      <p:sp>
+        <p:nvSpPr>
+          <p:cNvPr id="2" name="Title 1">
+            <a:extLst>
+              <a:ext uri="{FF2B5EF4-FFF2-40B4-BE49-F238E27FC236}">
+                <a16:creationId xmlns:a16="http://schemas.microsoft.com/office/drawing/2014/main" id="{AE4B98DD-2F81-02A6-586E-F8BDDB4FDCB2}"/>
+              </a:ext>
+            </a:extLst>
+          </p:cNvPr>
+          <p:cNvSpPr>
+            <a:spLocks noGrp="1"/>
+          </p:cNvSpPr>
+          <p:nvPr>
+            <p:ph type="title"/>
+          </p:nvPr>
+        </p:nvSpPr>
+        <p:spPr>
+          <a:xfrm>
+            <a:off x="940837" y="2679117"/>
+            <a:ext cx="10515600" cy="1325563"/>
+          </a:xfrm>
+        </p:spPr>
+        <p:txBody>
+          <a:bodyPr/>
+          <a:lstStyle/>
+          <a:p>
+            <a:pPr algn="ctr"/>
+            <a:r>
+              <a:rPr lang="en-IN" b="1" dirty="0"/>
+              <a:t>Thank You</a:t>
+            </a:r>
+          </a:p>
+        </p:txBody>
+      </p:sp>
+    </p:spTree>
+    <p:extLst>
+      <p:ext uri="{BB962C8B-B14F-4D97-AF65-F5344CB8AC3E}">
+        <p14:creationId xmlns:p14="http://schemas.microsoft.com/office/powerpoint/2010/main" val="1219682976"/>
+      </p:ext>
+    </p:extLst>
+  </p:cSld>
+  <p:clrMapOvr>
+    <a:masterClrMapping/>
+  </p:clrMapOvr>
+</p:sld>
+</file>
+
 <file path=ppt/slides/slide2.xml><?xml version="1.0" encoding="utf-8"?>
 <p:sld xmlns:a="http://schemas.openxmlformats.org/drawingml/2006/main" xmlns:r="http://schemas.openxmlformats.org/officeDocument/2006/relationships" xmlns:p="http://schemas.openxmlformats.org/presentationml/2006/main">
   <p:cSld>
@@ -4031,7 +4278,7 @@
           <a:p>
             <a:r>
               <a:rPr lang="en-IN" dirty="0"/>
-              <a:t>Relation of engine parameters with price</a:t>
+              <a:t>Relation of engine parameters with price </a:t>
             </a:r>
           </a:p>
         </p:txBody>
@@ -4216,6 +4463,191 @@
     <p:extLst>
       <p:ext uri="{BB962C8B-B14F-4D97-AF65-F5344CB8AC3E}">
         <p14:creationId xmlns:p14="http://schemas.microsoft.com/office/powerpoint/2010/main" val="512587617"/>
+      </p:ext>
+    </p:extLst>
+  </p:cSld>
+  <p:clrMapOvr>
+    <a:masterClrMapping/>
+  </p:clrMapOvr>
+</p:sld>
+</file>
+
+<file path=ppt/slides/slide8.xml><?xml version="1.0" encoding="utf-8"?>
+<p:sld xmlns:a="http://schemas.openxmlformats.org/drawingml/2006/main" xmlns:r="http://schemas.openxmlformats.org/officeDocument/2006/relationships" xmlns:p="http://schemas.openxmlformats.org/presentationml/2006/main">
+  <p:cSld>
+    <p:spTree>
+      <p:nvGrpSpPr>
+        <p:cNvPr id="1" name=""/>
+        <p:cNvGrpSpPr/>
+        <p:nvPr/>
+      </p:nvGrpSpPr>
+      <p:grpSpPr>
+        <a:xfrm>
+          <a:off x="0" y="0"/>
+          <a:ext cx="0" cy="0"/>
+          <a:chOff x="0" y="0"/>
+          <a:chExt cx="0" cy="0"/>
+        </a:xfrm>
+      </p:grpSpPr>
+      <p:sp>
+        <p:nvSpPr>
+          <p:cNvPr id="2" name="Title 1">
+            <a:extLst>
+              <a:ext uri="{FF2B5EF4-FFF2-40B4-BE49-F238E27FC236}">
+                <a16:creationId xmlns:a16="http://schemas.microsoft.com/office/drawing/2014/main" id="{6268E86F-0B73-B030-C473-D77AD85F9C62}"/>
+              </a:ext>
+            </a:extLst>
+          </p:cNvPr>
+          <p:cNvSpPr>
+            <a:spLocks noGrp="1"/>
+          </p:cNvSpPr>
+          <p:nvPr>
+            <p:ph type="title"/>
+          </p:nvPr>
+        </p:nvSpPr>
+        <p:spPr/>
+        <p:txBody>
+          <a:bodyPr/>
+          <a:lstStyle/>
+          <a:p>
+            <a:r>
+              <a:rPr lang="en-IN" b="1" dirty="0"/>
+              <a:t>Algorithms Used For Prediction</a:t>
+            </a:r>
+          </a:p>
+        </p:txBody>
+      </p:sp>
+      <p:sp>
+        <p:nvSpPr>
+          <p:cNvPr id="3" name="Content Placeholder 2">
+            <a:extLst>
+              <a:ext uri="{FF2B5EF4-FFF2-40B4-BE49-F238E27FC236}">
+                <a16:creationId xmlns:a16="http://schemas.microsoft.com/office/drawing/2014/main" id="{024AE69A-E76E-C179-122A-301D31D005C3}"/>
+              </a:ext>
+            </a:extLst>
+          </p:cNvPr>
+          <p:cNvSpPr>
+            <a:spLocks noGrp="1"/>
+          </p:cNvSpPr>
+          <p:nvPr>
+            <p:ph idx="1"/>
+          </p:nvPr>
+        </p:nvSpPr>
+        <p:spPr/>
+        <p:txBody>
+          <a:bodyPr/>
+          <a:lstStyle/>
+          <a:p>
+            <a:r>
+              <a:rPr lang="en-IN" dirty="0"/>
+              <a:t>Linear Regression</a:t>
+            </a:r>
+          </a:p>
+          <a:p>
+            <a:r>
+              <a:rPr lang="en-IN" dirty="0"/>
+              <a:t>Decision tree regression</a:t>
+            </a:r>
+          </a:p>
+        </p:txBody>
+      </p:sp>
+    </p:spTree>
+    <p:extLst>
+      <p:ext uri="{BB962C8B-B14F-4D97-AF65-F5344CB8AC3E}">
+        <p14:creationId xmlns:p14="http://schemas.microsoft.com/office/powerpoint/2010/main" val="3132465555"/>
+      </p:ext>
+    </p:extLst>
+  </p:cSld>
+  <p:clrMapOvr>
+    <a:masterClrMapping/>
+  </p:clrMapOvr>
+</p:sld>
+</file>
+
+<file path=ppt/slides/slide9.xml><?xml version="1.0" encoding="utf-8"?>
+<p:sld xmlns:a="http://schemas.openxmlformats.org/drawingml/2006/main" xmlns:r="http://schemas.openxmlformats.org/officeDocument/2006/relationships" xmlns:p="http://schemas.openxmlformats.org/presentationml/2006/main">
+  <p:cSld>
+    <p:spTree>
+      <p:nvGrpSpPr>
+        <p:cNvPr id="1" name=""/>
+        <p:cNvGrpSpPr/>
+        <p:nvPr/>
+      </p:nvGrpSpPr>
+      <p:grpSpPr>
+        <a:xfrm>
+          <a:off x="0" y="0"/>
+          <a:ext cx="0" cy="0"/>
+          <a:chOff x="0" y="0"/>
+          <a:chExt cx="0" cy="0"/>
+        </a:xfrm>
+      </p:grpSpPr>
+      <p:sp>
+        <p:nvSpPr>
+          <p:cNvPr id="2" name="Title 1">
+            <a:extLst>
+              <a:ext uri="{FF2B5EF4-FFF2-40B4-BE49-F238E27FC236}">
+                <a16:creationId xmlns:a16="http://schemas.microsoft.com/office/drawing/2014/main" id="{0E1EF5BD-361C-1253-0BBE-F8C7CF1FE069}"/>
+              </a:ext>
+            </a:extLst>
+          </p:cNvPr>
+          <p:cNvSpPr>
+            <a:spLocks noGrp="1"/>
+          </p:cNvSpPr>
+          <p:nvPr>
+            <p:ph type="title"/>
+          </p:nvPr>
+        </p:nvSpPr>
+        <p:spPr/>
+        <p:txBody>
+          <a:bodyPr/>
+          <a:lstStyle/>
+          <a:p>
+            <a:r>
+              <a:rPr lang="en-IN" b="1" dirty="0"/>
+              <a:t>Decision tree regressor</a:t>
+            </a:r>
+          </a:p>
+        </p:txBody>
+      </p:sp>
+      <p:pic>
+        <p:nvPicPr>
+          <p:cNvPr id="9" name="Content Placeholder 8">
+            <a:extLst>
+              <a:ext uri="{FF2B5EF4-FFF2-40B4-BE49-F238E27FC236}">
+                <a16:creationId xmlns:a16="http://schemas.microsoft.com/office/drawing/2014/main" id="{E20BFEC6-98CE-59E5-D97D-4E94DCE32C5E}"/>
+              </a:ext>
+            </a:extLst>
+          </p:cNvPr>
+          <p:cNvPicPr>
+            <a:picLocks noGrp="1" noChangeAspect="1"/>
+          </p:cNvPicPr>
+          <p:nvPr>
+            <p:ph idx="1"/>
+          </p:nvPr>
+        </p:nvPicPr>
+        <p:blipFill>
+          <a:blip r:embed="rId2">
+            <a:extLst>
+              <a:ext uri="{28A0092B-C50C-407E-A947-70E740481C1C}">
+                <a14:useLocalDpi xmlns:a14="http://schemas.microsoft.com/office/drawing/2010/main" val="0"/>
+              </a:ext>
+            </a:extLst>
+          </a:blip>
+          <a:stretch>
+            <a:fillRect/>
+          </a:stretch>
+        </p:blipFill>
+        <p:spPr>
+          <a:xfrm>
+            <a:off x="838200" y="1690687"/>
+            <a:ext cx="9677399" cy="4635467"/>
+          </a:xfrm>
+        </p:spPr>
+      </p:pic>
+    </p:spTree>
+    <p:extLst>
+      <p:ext uri="{BB962C8B-B14F-4D97-AF65-F5344CB8AC3E}">
+        <p14:creationId xmlns:p14="http://schemas.microsoft.com/office/powerpoint/2010/main" val="338211883"/>
       </p:ext>
     </p:extLst>
   </p:cSld>
